--- a/experiment/images/instructions_08092025.pptx
+++ b/experiment/images/instructions_08092025.pptx
@@ -8,14 +8,15 @@
     <p:sldId id="258" r:id="rId2"/>
     <p:sldId id="259" r:id="rId3"/>
     <p:sldId id="260" r:id="rId4"/>
-    <p:sldId id="264" r:id="rId5"/>
-    <p:sldId id="261" r:id="rId6"/>
-    <p:sldId id="265" r:id="rId7"/>
-    <p:sldId id="266" r:id="rId8"/>
-    <p:sldId id="268" r:id="rId9"/>
-    <p:sldId id="271" r:id="rId10"/>
-    <p:sldId id="269" r:id="rId11"/>
-    <p:sldId id="270" r:id="rId12"/>
+    <p:sldId id="261" r:id="rId5"/>
+    <p:sldId id="272" r:id="rId6"/>
+    <p:sldId id="264" r:id="rId7"/>
+    <p:sldId id="265" r:id="rId8"/>
+    <p:sldId id="266" r:id="rId9"/>
+    <p:sldId id="268" r:id="rId10"/>
+    <p:sldId id="271" r:id="rId11"/>
+    <p:sldId id="269" r:id="rId12"/>
+    <p:sldId id="270" r:id="rId13"/>
   </p:sldIdLst>
   <p:sldSz cx="12192000" cy="6858000"/>
   <p:notesSz cx="6858000" cy="9144000"/>
@@ -280,7 +281,7 @@
           <a:p>
             <a:fld id="{46E77216-CF56-224B-9168-653FEC0E6A33}" type="datetimeFigureOut">
               <a:rPr lang="en-US" smtClean="0"/>
-              <a:t>8/7/25</a:t>
+              <a:t>11/7/25</a:t>
             </a:fld>
             <a:endParaRPr lang="en-US"/>
           </a:p>
@@ -478,7 +479,7 @@
           <a:p>
             <a:fld id="{46E77216-CF56-224B-9168-653FEC0E6A33}" type="datetimeFigureOut">
               <a:rPr lang="en-US" smtClean="0"/>
-              <a:t>8/7/25</a:t>
+              <a:t>11/7/25</a:t>
             </a:fld>
             <a:endParaRPr lang="en-US"/>
           </a:p>
@@ -686,7 +687,7 @@
           <a:p>
             <a:fld id="{46E77216-CF56-224B-9168-653FEC0E6A33}" type="datetimeFigureOut">
               <a:rPr lang="en-US" smtClean="0"/>
-              <a:t>8/7/25</a:t>
+              <a:t>11/7/25</a:t>
             </a:fld>
             <a:endParaRPr lang="en-US"/>
           </a:p>
@@ -884,7 +885,7 @@
           <a:p>
             <a:fld id="{46E77216-CF56-224B-9168-653FEC0E6A33}" type="datetimeFigureOut">
               <a:rPr lang="en-US" smtClean="0"/>
-              <a:t>8/7/25</a:t>
+              <a:t>11/7/25</a:t>
             </a:fld>
             <a:endParaRPr lang="en-US"/>
           </a:p>
@@ -1159,7 +1160,7 @@
           <a:p>
             <a:fld id="{46E77216-CF56-224B-9168-653FEC0E6A33}" type="datetimeFigureOut">
               <a:rPr lang="en-US" smtClean="0"/>
-              <a:t>8/7/25</a:t>
+              <a:t>11/7/25</a:t>
             </a:fld>
             <a:endParaRPr lang="en-US"/>
           </a:p>
@@ -1424,7 +1425,7 @@
           <a:p>
             <a:fld id="{46E77216-CF56-224B-9168-653FEC0E6A33}" type="datetimeFigureOut">
               <a:rPr lang="en-US" smtClean="0"/>
-              <a:t>8/7/25</a:t>
+              <a:t>11/7/25</a:t>
             </a:fld>
             <a:endParaRPr lang="en-US"/>
           </a:p>
@@ -1836,7 +1837,7 @@
           <a:p>
             <a:fld id="{46E77216-CF56-224B-9168-653FEC0E6A33}" type="datetimeFigureOut">
               <a:rPr lang="en-US" smtClean="0"/>
-              <a:t>8/7/25</a:t>
+              <a:t>11/7/25</a:t>
             </a:fld>
             <a:endParaRPr lang="en-US"/>
           </a:p>
@@ -1977,7 +1978,7 @@
           <a:p>
             <a:fld id="{46E77216-CF56-224B-9168-653FEC0E6A33}" type="datetimeFigureOut">
               <a:rPr lang="en-US" smtClean="0"/>
-              <a:t>8/7/25</a:t>
+              <a:t>11/7/25</a:t>
             </a:fld>
             <a:endParaRPr lang="en-US"/>
           </a:p>
@@ -2090,7 +2091,7 @@
           <a:p>
             <a:fld id="{46E77216-CF56-224B-9168-653FEC0E6A33}" type="datetimeFigureOut">
               <a:rPr lang="en-US" smtClean="0"/>
-              <a:t>8/7/25</a:t>
+              <a:t>11/7/25</a:t>
             </a:fld>
             <a:endParaRPr lang="en-US"/>
           </a:p>
@@ -2401,7 +2402,7 @@
           <a:p>
             <a:fld id="{46E77216-CF56-224B-9168-653FEC0E6A33}" type="datetimeFigureOut">
               <a:rPr lang="en-US" smtClean="0"/>
-              <a:t>8/7/25</a:t>
+              <a:t>11/7/25</a:t>
             </a:fld>
             <a:endParaRPr lang="en-US"/>
           </a:p>
@@ -2689,7 +2690,7 @@
           <a:p>
             <a:fld id="{46E77216-CF56-224B-9168-653FEC0E6A33}" type="datetimeFigureOut">
               <a:rPr lang="en-US" smtClean="0"/>
-              <a:t>8/7/25</a:t>
+              <a:t>11/7/25</a:t>
             </a:fld>
             <a:endParaRPr lang="en-US"/>
           </a:p>
@@ -2930,7 +2931,7 @@
           <a:p>
             <a:fld id="{46E77216-CF56-224B-9168-653FEC0E6A33}" type="datetimeFigureOut">
               <a:rPr lang="en-US" smtClean="0"/>
-              <a:t>8/7/25</a:t>
+              <a:t>11/7/25</a:t>
             </a:fld>
             <a:endParaRPr lang="en-US"/>
           </a:p>
@@ -3512,6 +3513,159 @@
   <p:cSld>
     <p:spTree>
       <p:nvGrpSpPr>
+        <p:cNvPr id="1" name="">
+          <a:extLst>
+            <a:ext uri="{FF2B5EF4-FFF2-40B4-BE49-F238E27FC236}">
+              <a16:creationId xmlns:a16="http://schemas.microsoft.com/office/drawing/2014/main" id="{09EF6050-31E6-1456-2EB7-7D50521A2D21}"/>
+            </a:ext>
+          </a:extLst>
+        </p:cNvPr>
+        <p:cNvGrpSpPr/>
+        <p:nvPr/>
+      </p:nvGrpSpPr>
+      <p:grpSpPr>
+        <a:xfrm>
+          <a:off x="0" y="0"/>
+          <a:ext cx="0" cy="0"/>
+          <a:chOff x="0" y="0"/>
+          <a:chExt cx="0" cy="0"/>
+        </a:xfrm>
+      </p:grpSpPr>
+      <p:pic>
+        <p:nvPicPr>
+          <p:cNvPr id="5" name="Content Placeholder 4">
+            <a:extLst>
+              <a:ext uri="{FF2B5EF4-FFF2-40B4-BE49-F238E27FC236}">
+                <a16:creationId xmlns:a16="http://schemas.microsoft.com/office/drawing/2014/main" id="{36431ABE-A4C3-AD75-48F6-4AAD8F1CBF02}"/>
+              </a:ext>
+            </a:extLst>
+          </p:cNvPr>
+          <p:cNvPicPr>
+            <a:picLocks noGrp="1" noChangeAspect="1"/>
+          </p:cNvPicPr>
+          <p:nvPr>
+            <p:ph idx="1"/>
+          </p:nvPr>
+        </p:nvPicPr>
+        <p:blipFill>
+          <a:blip r:embed="rId2"/>
+          <a:stretch>
+            <a:fillRect/>
+          </a:stretch>
+        </p:blipFill>
+        <p:spPr>
+          <a:xfrm>
+            <a:off x="2605837" y="334372"/>
+            <a:ext cx="6374389" cy="4780790"/>
+          </a:xfrm>
+        </p:spPr>
+      </p:pic>
+      <p:sp>
+        <p:nvSpPr>
+          <p:cNvPr id="6" name="Oval 5">
+            <a:extLst>
+              <a:ext uri="{FF2B5EF4-FFF2-40B4-BE49-F238E27FC236}">
+                <a16:creationId xmlns:a16="http://schemas.microsoft.com/office/drawing/2014/main" id="{924602E8-DEA5-046A-DA9F-F6FB846ECD6D}"/>
+              </a:ext>
+            </a:extLst>
+          </p:cNvPr>
+          <p:cNvSpPr/>
+          <p:nvPr/>
+        </p:nvSpPr>
+        <p:spPr>
+          <a:xfrm>
+            <a:off x="3142789" y="895967"/>
+            <a:ext cx="2038662" cy="1472784"/>
+          </a:xfrm>
+          <a:prstGeom prst="ellipse">
+            <a:avLst/>
+          </a:prstGeom>
+          <a:noFill/>
+          <a:ln w="76200">
+            <a:solidFill>
+              <a:srgbClr val="FF0000"/>
+            </a:solidFill>
+          </a:ln>
+        </p:spPr>
+        <p:style>
+          <a:lnRef idx="2">
+            <a:schemeClr val="accent1">
+              <a:shade val="15000"/>
+            </a:schemeClr>
+          </a:lnRef>
+          <a:fillRef idx="1">
+            <a:schemeClr val="accent1"/>
+          </a:fillRef>
+          <a:effectRef idx="0">
+            <a:schemeClr val="accent1"/>
+          </a:effectRef>
+          <a:fontRef idx="minor">
+            <a:schemeClr val="lt1"/>
+          </a:fontRef>
+        </p:style>
+        <p:txBody>
+          <a:bodyPr rtlCol="0" anchor="ctr"/>
+          <a:lstStyle/>
+          <a:p>
+            <a:pPr algn="ctr"/>
+            <a:endParaRPr lang="en-US"/>
+          </a:p>
+        </p:txBody>
+      </p:sp>
+      <p:sp>
+        <p:nvSpPr>
+          <p:cNvPr id="7" name="TextBox 6">
+            <a:extLst>
+              <a:ext uri="{FF2B5EF4-FFF2-40B4-BE49-F238E27FC236}">
+                <a16:creationId xmlns:a16="http://schemas.microsoft.com/office/drawing/2014/main" id="{9B3A856B-E918-981F-0174-8E35FE641972}"/>
+              </a:ext>
+            </a:extLst>
+          </p:cNvPr>
+          <p:cNvSpPr txBox="1"/>
+          <p:nvPr/>
+        </p:nvSpPr>
+        <p:spPr>
+          <a:xfrm>
+            <a:off x="1360774" y="5323299"/>
+            <a:ext cx="9228406" cy="1200329"/>
+          </a:xfrm>
+          <a:prstGeom prst="rect">
+            <a:avLst/>
+          </a:prstGeom>
+          <a:noFill/>
+        </p:spPr>
+        <p:txBody>
+          <a:bodyPr wrap="square" rtlCol="0">
+            <a:spAutoFit/>
+          </a:bodyPr>
+          <a:lstStyle/>
+          <a:p>
+            <a:pPr algn="ctr"/>
+            <a:r>
+              <a:rPr lang="en-US" sz="2400" dirty="0"/>
+              <a:t>Please keep the fourth, middle, and index fingers of your left hand on numbers 1, 2, and 3 as shown above throughout the experiment. You will use these keys to rate your feelings of regret.</a:t>
+            </a:r>
+          </a:p>
+        </p:txBody>
+      </p:sp>
+    </p:spTree>
+    <p:extLst>
+      <p:ext uri="{BB962C8B-B14F-4D97-AF65-F5344CB8AC3E}">
+        <p14:creationId xmlns:p14="http://schemas.microsoft.com/office/powerpoint/2010/main" val="131228118"/>
+      </p:ext>
+    </p:extLst>
+  </p:cSld>
+  <p:clrMapOvr>
+    <a:masterClrMapping/>
+  </p:clrMapOvr>
+</p:sld>
+</file>
+
+<file path=ppt/slides/slide11.xml><?xml version="1.0" encoding="utf-8"?>
+<p:sld xmlns:a="http://schemas.openxmlformats.org/drawingml/2006/main" xmlns:r="http://schemas.openxmlformats.org/officeDocument/2006/relationships" xmlns:p="http://schemas.openxmlformats.org/presentationml/2006/main">
+  <p:cSld>
+    <p:spTree>
+      <p:nvGrpSpPr>
         <p:cNvPr id="1" name=""/>
         <p:cNvGrpSpPr/>
         <p:nvPr/>
@@ -3608,7 +3762,7 @@
 </p:sld>
 </file>
 
-<file path=ppt/slides/slide11.xml><?xml version="1.0" encoding="utf-8"?>
+<file path=ppt/slides/slide12.xml><?xml version="1.0" encoding="utf-8"?>
 <p:sld xmlns:a="http://schemas.openxmlformats.org/drawingml/2006/main" xmlns:r="http://schemas.openxmlformats.org/officeDocument/2006/relationships" xmlns:p="http://schemas.openxmlformats.org/presentationml/2006/main">
   <p:cSld>
     <p:spTree>
@@ -4140,6 +4294,327 @@
           <a:chExt cx="0" cy="0"/>
         </a:xfrm>
       </p:grpSpPr>
+      <p:sp>
+        <p:nvSpPr>
+          <p:cNvPr id="10" name="TextBox 9">
+            <a:extLst>
+              <a:ext uri="{FF2B5EF4-FFF2-40B4-BE49-F238E27FC236}">
+                <a16:creationId xmlns:a16="http://schemas.microsoft.com/office/drawing/2014/main" id="{E672D5E3-A2C9-BBA7-4584-335F4BED5C3D}"/>
+              </a:ext>
+            </a:extLst>
+          </p:cNvPr>
+          <p:cNvSpPr txBox="1"/>
+          <p:nvPr/>
+        </p:nvSpPr>
+        <p:spPr>
+          <a:xfrm>
+            <a:off x="1538068" y="4566749"/>
+            <a:ext cx="9228406" cy="1200329"/>
+          </a:xfrm>
+          <a:prstGeom prst="rect">
+            <a:avLst/>
+          </a:prstGeom>
+          <a:noFill/>
+        </p:spPr>
+        <p:txBody>
+          <a:bodyPr wrap="square" rtlCol="0">
+            <a:spAutoFit/>
+          </a:bodyPr>
+          <a:lstStyle/>
+          <a:p>
+            <a:pPr algn="ctr"/>
+            <a:r>
+              <a:rPr lang="en-US" sz="2400" dirty="0"/>
+              <a:t>When you pick fruit, it can turn out to be either ripe or rotten. </a:t>
+            </a:r>
+            <a:r>
+              <a:rPr lang="en-US" sz="2400" b="1" dirty="0"/>
+              <a:t>Your goal is to pick as much ripe fruit as you can!</a:t>
+            </a:r>
+          </a:p>
+          <a:p>
+            <a:pPr algn="ctr"/>
+            <a:endParaRPr lang="en-US" sz="2400" dirty="0"/>
+          </a:p>
+        </p:txBody>
+      </p:sp>
+      <p:pic>
+        <p:nvPicPr>
+          <p:cNvPr id="4" name="Picture 3">
+            <a:extLst>
+              <a:ext uri="{FF2B5EF4-FFF2-40B4-BE49-F238E27FC236}">
+                <a16:creationId xmlns:a16="http://schemas.microsoft.com/office/drawing/2014/main" id="{6140BEA3-1763-00C8-0FDF-624247D4697F}"/>
+              </a:ext>
+            </a:extLst>
+          </p:cNvPr>
+          <p:cNvPicPr>
+            <a:picLocks noChangeAspect="1"/>
+          </p:cNvPicPr>
+          <p:nvPr/>
+        </p:nvPicPr>
+        <p:blipFill>
+          <a:blip r:embed="rId2"/>
+          <a:stretch>
+            <a:fillRect/>
+          </a:stretch>
+        </p:blipFill>
+        <p:spPr>
+          <a:xfrm>
+            <a:off x="2670707" y="1614383"/>
+            <a:ext cx="2041519" cy="2041519"/>
+          </a:xfrm>
+          <a:prstGeom prst="rect">
+            <a:avLst/>
+          </a:prstGeom>
+        </p:spPr>
+      </p:pic>
+      <p:pic>
+        <p:nvPicPr>
+          <p:cNvPr id="12" name="Picture 11">
+            <a:extLst>
+              <a:ext uri="{FF2B5EF4-FFF2-40B4-BE49-F238E27FC236}">
+                <a16:creationId xmlns:a16="http://schemas.microsoft.com/office/drawing/2014/main" id="{5DDFCF3B-8BF3-B139-5219-81243A798D5F}"/>
+              </a:ext>
+            </a:extLst>
+          </p:cNvPr>
+          <p:cNvPicPr>
+            <a:picLocks noChangeAspect="1"/>
+          </p:cNvPicPr>
+          <p:nvPr/>
+        </p:nvPicPr>
+        <p:blipFill>
+          <a:blip r:embed="rId3"/>
+          <a:stretch>
+            <a:fillRect/>
+          </a:stretch>
+        </p:blipFill>
+        <p:spPr>
+          <a:xfrm>
+            <a:off x="7479776" y="1819427"/>
+            <a:ext cx="1836475" cy="1836475"/>
+          </a:xfrm>
+          <a:prstGeom prst="rect">
+            <a:avLst/>
+          </a:prstGeom>
+        </p:spPr>
+      </p:pic>
+    </p:spTree>
+    <p:extLst>
+      <p:ext uri="{BB962C8B-B14F-4D97-AF65-F5344CB8AC3E}">
+        <p14:creationId xmlns:p14="http://schemas.microsoft.com/office/powerpoint/2010/main" val="1582665338"/>
+      </p:ext>
+    </p:extLst>
+  </p:cSld>
+  <p:clrMapOvr>
+    <a:masterClrMapping/>
+  </p:clrMapOvr>
+</p:sld>
+</file>
+
+<file path=ppt/slides/slide5.xml><?xml version="1.0" encoding="utf-8"?>
+<p:sld xmlns:a="http://schemas.openxmlformats.org/drawingml/2006/main" xmlns:r="http://schemas.openxmlformats.org/officeDocument/2006/relationships" xmlns:p="http://schemas.openxmlformats.org/presentationml/2006/main">
+  <p:cSld>
+    <p:spTree>
+      <p:nvGrpSpPr>
+        <p:cNvPr id="1" name="">
+          <a:extLst>
+            <a:ext uri="{FF2B5EF4-FFF2-40B4-BE49-F238E27FC236}">
+              <a16:creationId xmlns:a16="http://schemas.microsoft.com/office/drawing/2014/main" id="{D92EAF85-21B2-46FA-F04C-625F310F3310}"/>
+            </a:ext>
+          </a:extLst>
+        </p:cNvPr>
+        <p:cNvGrpSpPr/>
+        <p:nvPr/>
+      </p:nvGrpSpPr>
+      <p:grpSpPr>
+        <a:xfrm>
+          <a:off x="0" y="0"/>
+          <a:ext cx="0" cy="0"/>
+          <a:chOff x="0" y="0"/>
+          <a:chExt cx="0" cy="0"/>
+        </a:xfrm>
+      </p:grpSpPr>
+      <p:sp>
+        <p:nvSpPr>
+          <p:cNvPr id="10" name="TextBox 9">
+            <a:extLst>
+              <a:ext uri="{FF2B5EF4-FFF2-40B4-BE49-F238E27FC236}">
+                <a16:creationId xmlns:a16="http://schemas.microsoft.com/office/drawing/2014/main" id="{CF7C4AA9-4C0C-C566-D93A-0DA1670CEE88}"/>
+              </a:ext>
+            </a:extLst>
+          </p:cNvPr>
+          <p:cNvSpPr txBox="1"/>
+          <p:nvPr/>
+        </p:nvSpPr>
+        <p:spPr>
+          <a:xfrm>
+            <a:off x="1481797" y="4575921"/>
+            <a:ext cx="9228406" cy="830997"/>
+          </a:xfrm>
+          <a:prstGeom prst="rect">
+            <a:avLst/>
+          </a:prstGeom>
+          <a:noFill/>
+        </p:spPr>
+        <p:txBody>
+          <a:bodyPr wrap="square" rtlCol="0">
+            <a:spAutoFit/>
+          </a:bodyPr>
+          <a:lstStyle/>
+          <a:p>
+            <a:pPr algn="ctr"/>
+            <a:r>
+              <a:rPr lang="en-US" sz="2400" b="1" dirty="0"/>
+              <a:t>Some trees are better than others</a:t>
+            </a:r>
+            <a:r>
+              <a:rPr lang="en-US" sz="2400" dirty="0"/>
+              <a:t>, but you don’t know which ones! Your goal is to try to consistently get ripe fruit and no rotten fruit. </a:t>
+            </a:r>
+          </a:p>
+        </p:txBody>
+      </p:sp>
+      <p:grpSp>
+        <p:nvGrpSpPr>
+          <p:cNvPr id="2" name="Group 1">
+            <a:extLst>
+              <a:ext uri="{FF2B5EF4-FFF2-40B4-BE49-F238E27FC236}">
+                <a16:creationId xmlns:a16="http://schemas.microsoft.com/office/drawing/2014/main" id="{E7DA39B8-9238-8D4B-5EF9-AFFD00F69642}"/>
+              </a:ext>
+            </a:extLst>
+          </p:cNvPr>
+          <p:cNvGrpSpPr/>
+          <p:nvPr/>
+        </p:nvGrpSpPr>
+        <p:grpSpPr>
+          <a:xfrm>
+            <a:off x="802526" y="139008"/>
+            <a:ext cx="10586948" cy="3353895"/>
+            <a:chOff x="802526" y="139008"/>
+            <a:chExt cx="10586948" cy="3353895"/>
+          </a:xfrm>
+        </p:grpSpPr>
+        <p:pic>
+          <p:nvPicPr>
+            <p:cNvPr id="3" name="Picture 2">
+              <a:extLst>
+                <a:ext uri="{FF2B5EF4-FFF2-40B4-BE49-F238E27FC236}">
+                  <a16:creationId xmlns:a16="http://schemas.microsoft.com/office/drawing/2014/main" id="{7D7E968B-94A7-8804-3781-E42405794FBF}"/>
+                </a:ext>
+              </a:extLst>
+            </p:cNvPr>
+            <p:cNvPicPr>
+              <a:picLocks noChangeAspect="1"/>
+            </p:cNvPicPr>
+            <p:nvPr/>
+          </p:nvPicPr>
+          <p:blipFill>
+            <a:blip r:embed="rId2"/>
+            <a:stretch>
+              <a:fillRect/>
+            </a:stretch>
+          </p:blipFill>
+          <p:spPr>
+            <a:xfrm>
+              <a:off x="802526" y="139008"/>
+              <a:ext cx="3289992" cy="3289992"/>
+            </a:xfrm>
+            <a:prstGeom prst="rect">
+              <a:avLst/>
+            </a:prstGeom>
+          </p:spPr>
+        </p:pic>
+        <p:pic>
+          <p:nvPicPr>
+            <p:cNvPr id="4" name="Picture 3">
+              <a:extLst>
+                <a:ext uri="{FF2B5EF4-FFF2-40B4-BE49-F238E27FC236}">
+                  <a16:creationId xmlns:a16="http://schemas.microsoft.com/office/drawing/2014/main" id="{AEDD5B9B-6EFE-91FB-4254-0D4A856DF927}"/>
+                </a:ext>
+              </a:extLst>
+            </p:cNvPr>
+            <p:cNvPicPr>
+              <a:picLocks noChangeAspect="1"/>
+            </p:cNvPicPr>
+            <p:nvPr/>
+          </p:nvPicPr>
+          <p:blipFill>
+            <a:blip r:embed="rId3"/>
+            <a:stretch>
+              <a:fillRect/>
+            </a:stretch>
+          </p:blipFill>
+          <p:spPr>
+            <a:xfrm>
+              <a:off x="4503841" y="404011"/>
+              <a:ext cx="3088892" cy="3088892"/>
+            </a:xfrm>
+            <a:prstGeom prst="rect">
+              <a:avLst/>
+            </a:prstGeom>
+          </p:spPr>
+        </p:pic>
+        <p:pic>
+          <p:nvPicPr>
+            <p:cNvPr id="6" name="Picture 5">
+              <a:extLst>
+                <a:ext uri="{FF2B5EF4-FFF2-40B4-BE49-F238E27FC236}">
+                  <a16:creationId xmlns:a16="http://schemas.microsoft.com/office/drawing/2014/main" id="{CDC23C78-C3E6-7233-C28B-E25C6C14C342}"/>
+                </a:ext>
+              </a:extLst>
+            </p:cNvPr>
+            <p:cNvPicPr>
+              <a:picLocks noChangeAspect="1"/>
+            </p:cNvPicPr>
+            <p:nvPr/>
+          </p:nvPicPr>
+          <p:blipFill>
+            <a:blip r:embed="rId4"/>
+            <a:stretch>
+              <a:fillRect/>
+            </a:stretch>
+          </p:blipFill>
+          <p:spPr>
+            <a:xfrm>
+              <a:off x="8099482" y="139008"/>
+              <a:ext cx="3289992" cy="3289992"/>
+            </a:xfrm>
+            <a:prstGeom prst="rect">
+              <a:avLst/>
+            </a:prstGeom>
+          </p:spPr>
+        </p:pic>
+      </p:grpSp>
+    </p:spTree>
+    <p:extLst>
+      <p:ext uri="{BB962C8B-B14F-4D97-AF65-F5344CB8AC3E}">
+        <p14:creationId xmlns:p14="http://schemas.microsoft.com/office/powerpoint/2010/main" val="2869353730"/>
+      </p:ext>
+    </p:extLst>
+  </p:cSld>
+  <p:clrMapOvr>
+    <a:masterClrMapping/>
+  </p:clrMapOvr>
+</p:sld>
+</file>
+
+<file path=ppt/slides/slide6.xml><?xml version="1.0" encoding="utf-8"?>
+<p:sld xmlns:a="http://schemas.openxmlformats.org/drawingml/2006/main" xmlns:r="http://schemas.openxmlformats.org/officeDocument/2006/relationships" xmlns:p="http://schemas.openxmlformats.org/presentationml/2006/main">
+  <p:cSld>
+    <p:spTree>
+      <p:nvGrpSpPr>
+        <p:cNvPr id="1" name=""/>
+        <p:cNvGrpSpPr/>
+        <p:nvPr/>
+      </p:nvGrpSpPr>
+      <p:grpSpPr>
+        <a:xfrm>
+          <a:off x="0" y="0"/>
+          <a:ext cx="0" cy="0"/>
+          <a:chOff x="0" y="0"/>
+          <a:chExt cx="0" cy="0"/>
+        </a:xfrm>
+      </p:grpSpPr>
       <p:pic>
         <p:nvPicPr>
           <p:cNvPr id="5" name="Content Placeholder 4">
@@ -4270,141 +4745,7 @@
 </p:sld>
 </file>
 
-<file path=ppt/slides/slide5.xml><?xml version="1.0" encoding="utf-8"?>
-<p:sld xmlns:a="http://schemas.openxmlformats.org/drawingml/2006/main" xmlns:r="http://schemas.openxmlformats.org/officeDocument/2006/relationships" xmlns:p="http://schemas.openxmlformats.org/presentationml/2006/main">
-  <p:cSld>
-    <p:spTree>
-      <p:nvGrpSpPr>
-        <p:cNvPr id="1" name=""/>
-        <p:cNvGrpSpPr/>
-        <p:nvPr/>
-      </p:nvGrpSpPr>
-      <p:grpSpPr>
-        <a:xfrm>
-          <a:off x="0" y="0"/>
-          <a:ext cx="0" cy="0"/>
-          <a:chOff x="0" y="0"/>
-          <a:chExt cx="0" cy="0"/>
-        </a:xfrm>
-      </p:grpSpPr>
-      <p:sp>
-        <p:nvSpPr>
-          <p:cNvPr id="10" name="TextBox 9">
-            <a:extLst>
-              <a:ext uri="{FF2B5EF4-FFF2-40B4-BE49-F238E27FC236}">
-                <a16:creationId xmlns:a16="http://schemas.microsoft.com/office/drawing/2014/main" id="{E672D5E3-A2C9-BBA7-4584-335F4BED5C3D}"/>
-              </a:ext>
-            </a:extLst>
-          </p:cNvPr>
-          <p:cNvSpPr txBox="1"/>
-          <p:nvPr/>
-        </p:nvSpPr>
-        <p:spPr>
-          <a:xfrm>
-            <a:off x="1538068" y="4566749"/>
-            <a:ext cx="9228406" cy="1200329"/>
-          </a:xfrm>
-          <a:prstGeom prst="rect">
-            <a:avLst/>
-          </a:prstGeom>
-          <a:noFill/>
-        </p:spPr>
-        <p:txBody>
-          <a:bodyPr wrap="square" rtlCol="0">
-            <a:spAutoFit/>
-          </a:bodyPr>
-          <a:lstStyle/>
-          <a:p>
-            <a:pPr algn="ctr"/>
-            <a:r>
-              <a:rPr lang="en-US" sz="2400" dirty="0"/>
-              <a:t>When you pick fruit, it can turn out to be either ripe or rotten. </a:t>
-            </a:r>
-            <a:r>
-              <a:rPr lang="en-US" sz="2400" b="1" dirty="0"/>
-              <a:t>Your goal is to pick as much ripe fruit as you can!</a:t>
-            </a:r>
-          </a:p>
-          <a:p>
-            <a:pPr algn="ctr"/>
-            <a:endParaRPr lang="en-US" sz="2400" dirty="0"/>
-          </a:p>
-        </p:txBody>
-      </p:sp>
-      <p:pic>
-        <p:nvPicPr>
-          <p:cNvPr id="4" name="Picture 3">
-            <a:extLst>
-              <a:ext uri="{FF2B5EF4-FFF2-40B4-BE49-F238E27FC236}">
-                <a16:creationId xmlns:a16="http://schemas.microsoft.com/office/drawing/2014/main" id="{6140BEA3-1763-00C8-0FDF-624247D4697F}"/>
-              </a:ext>
-            </a:extLst>
-          </p:cNvPr>
-          <p:cNvPicPr>
-            <a:picLocks noChangeAspect="1"/>
-          </p:cNvPicPr>
-          <p:nvPr/>
-        </p:nvPicPr>
-        <p:blipFill>
-          <a:blip r:embed="rId2"/>
-          <a:stretch>
-            <a:fillRect/>
-          </a:stretch>
-        </p:blipFill>
-        <p:spPr>
-          <a:xfrm>
-            <a:off x="2670707" y="1614383"/>
-            <a:ext cx="2041519" cy="2041519"/>
-          </a:xfrm>
-          <a:prstGeom prst="rect">
-            <a:avLst/>
-          </a:prstGeom>
-        </p:spPr>
-      </p:pic>
-      <p:pic>
-        <p:nvPicPr>
-          <p:cNvPr id="12" name="Picture 11">
-            <a:extLst>
-              <a:ext uri="{FF2B5EF4-FFF2-40B4-BE49-F238E27FC236}">
-                <a16:creationId xmlns:a16="http://schemas.microsoft.com/office/drawing/2014/main" id="{5DDFCF3B-8BF3-B139-5219-81243A798D5F}"/>
-              </a:ext>
-            </a:extLst>
-          </p:cNvPr>
-          <p:cNvPicPr>
-            <a:picLocks noChangeAspect="1"/>
-          </p:cNvPicPr>
-          <p:nvPr/>
-        </p:nvPicPr>
-        <p:blipFill>
-          <a:blip r:embed="rId3"/>
-          <a:stretch>
-            <a:fillRect/>
-          </a:stretch>
-        </p:blipFill>
-        <p:spPr>
-          <a:xfrm>
-            <a:off x="7479776" y="1819427"/>
-            <a:ext cx="1836475" cy="1836475"/>
-          </a:xfrm>
-          <a:prstGeom prst="rect">
-            <a:avLst/>
-          </a:prstGeom>
-        </p:spPr>
-      </p:pic>
-    </p:spTree>
-    <p:extLst>
-      <p:ext uri="{BB962C8B-B14F-4D97-AF65-F5344CB8AC3E}">
-        <p14:creationId xmlns:p14="http://schemas.microsoft.com/office/powerpoint/2010/main" val="1582665338"/>
-      </p:ext>
-    </p:extLst>
-  </p:cSld>
-  <p:clrMapOvr>
-    <a:masterClrMapping/>
-  </p:clrMapOvr>
-</p:sld>
-</file>
-
-<file path=ppt/slides/slide6.xml><?xml version="1.0" encoding="utf-8"?>
+<file path=ppt/slides/slide7.xml><?xml version="1.0" encoding="utf-8"?>
 <p:sld xmlns:a="http://schemas.openxmlformats.org/drawingml/2006/main" xmlns:r="http://schemas.openxmlformats.org/officeDocument/2006/relationships" xmlns:p="http://schemas.openxmlformats.org/presentationml/2006/main">
   <p:cSld>
     <p:spTree>
@@ -4611,7 +4952,7 @@
 </p:sld>
 </file>
 
-<file path=ppt/slides/slide7.xml><?xml version="1.0" encoding="utf-8"?>
+<file path=ppt/slides/slide8.xml><?xml version="1.0" encoding="utf-8"?>
 <p:sld xmlns:a="http://schemas.openxmlformats.org/drawingml/2006/main" xmlns:r="http://schemas.openxmlformats.org/officeDocument/2006/relationships" xmlns:p="http://schemas.openxmlformats.org/presentationml/2006/main">
   <p:cSld>
     <p:spTree>
@@ -4824,7 +5165,7 @@
 </p:sld>
 </file>
 
-<file path=ppt/slides/slide8.xml><?xml version="1.0" encoding="utf-8"?>
+<file path=ppt/slides/slide9.xml><?xml version="1.0" encoding="utf-8"?>
 <p:sld xmlns:a="http://schemas.openxmlformats.org/drawingml/2006/main" xmlns:r="http://schemas.openxmlformats.org/officeDocument/2006/relationships" xmlns:p="http://schemas.openxmlformats.org/presentationml/2006/main">
   <p:cSld>
     <p:spTree>
@@ -5229,8 +5570,8 @@
         </p:nvSpPr>
         <p:spPr>
           <a:xfrm>
-            <a:off x="1301639" y="5591783"/>
-            <a:ext cx="10064209" cy="830997"/>
+            <a:off x="1301639" y="5287987"/>
+            <a:ext cx="10064209" cy="1200329"/>
           </a:xfrm>
           <a:prstGeom prst="rect">
             <a:avLst/>
@@ -5250,11 +5591,19 @@
             </a:r>
             <a:r>
               <a:rPr lang="en-US" sz="2400" b="1" dirty="0"/>
-              <a:t>on the first 30 trials</a:t>
+              <a:t>on some trials</a:t>
             </a:r>
             <a:r>
               <a:rPr lang="en-US" sz="2400" dirty="0"/>
-              <a:t>, each time you get a rotten fruit, you will be asked to rate how much you regret your choice of tree using a 3-point scale.</a:t>
+              <a:t>, you </a:t>
+            </a:r>
+            <a:r>
+              <a:rPr lang="en-US" sz="2400" i="1" dirty="0"/>
+              <a:t>may</a:t>
+            </a:r>
+            <a:r>
+              <a:rPr lang="en-US" sz="2400" dirty="0"/>
+              <a:t> be asked to rate how much you regret your choice of tree using a 3-point scale. These questions appear at pre-determined times and are not tied to your performance in the task.</a:t>
             </a:r>
           </a:p>
         </p:txBody>
@@ -5263,159 +5612,6 @@
     <p:extLst>
       <p:ext uri="{BB962C8B-B14F-4D97-AF65-F5344CB8AC3E}">
         <p14:creationId xmlns:p14="http://schemas.microsoft.com/office/powerpoint/2010/main" val="1809336859"/>
-      </p:ext>
-    </p:extLst>
-  </p:cSld>
-  <p:clrMapOvr>
-    <a:masterClrMapping/>
-  </p:clrMapOvr>
-</p:sld>
-</file>
-
-<file path=ppt/slides/slide9.xml><?xml version="1.0" encoding="utf-8"?>
-<p:sld xmlns:a="http://schemas.openxmlformats.org/drawingml/2006/main" xmlns:r="http://schemas.openxmlformats.org/officeDocument/2006/relationships" xmlns:p="http://schemas.openxmlformats.org/presentationml/2006/main">
-  <p:cSld>
-    <p:spTree>
-      <p:nvGrpSpPr>
-        <p:cNvPr id="1" name="">
-          <a:extLst>
-            <a:ext uri="{FF2B5EF4-FFF2-40B4-BE49-F238E27FC236}">
-              <a16:creationId xmlns:a16="http://schemas.microsoft.com/office/drawing/2014/main" id="{09EF6050-31E6-1456-2EB7-7D50521A2D21}"/>
-            </a:ext>
-          </a:extLst>
-        </p:cNvPr>
-        <p:cNvGrpSpPr/>
-        <p:nvPr/>
-      </p:nvGrpSpPr>
-      <p:grpSpPr>
-        <a:xfrm>
-          <a:off x="0" y="0"/>
-          <a:ext cx="0" cy="0"/>
-          <a:chOff x="0" y="0"/>
-          <a:chExt cx="0" cy="0"/>
-        </a:xfrm>
-      </p:grpSpPr>
-      <p:pic>
-        <p:nvPicPr>
-          <p:cNvPr id="5" name="Content Placeholder 4">
-            <a:extLst>
-              <a:ext uri="{FF2B5EF4-FFF2-40B4-BE49-F238E27FC236}">
-                <a16:creationId xmlns:a16="http://schemas.microsoft.com/office/drawing/2014/main" id="{36431ABE-A4C3-AD75-48F6-4AAD8F1CBF02}"/>
-              </a:ext>
-            </a:extLst>
-          </p:cNvPr>
-          <p:cNvPicPr>
-            <a:picLocks noGrp="1" noChangeAspect="1"/>
-          </p:cNvPicPr>
-          <p:nvPr>
-            <p:ph idx="1"/>
-          </p:nvPr>
-        </p:nvPicPr>
-        <p:blipFill>
-          <a:blip r:embed="rId2"/>
-          <a:stretch>
-            <a:fillRect/>
-          </a:stretch>
-        </p:blipFill>
-        <p:spPr>
-          <a:xfrm>
-            <a:off x="2605837" y="334372"/>
-            <a:ext cx="6374389" cy="4780790"/>
-          </a:xfrm>
-        </p:spPr>
-      </p:pic>
-      <p:sp>
-        <p:nvSpPr>
-          <p:cNvPr id="6" name="Oval 5">
-            <a:extLst>
-              <a:ext uri="{FF2B5EF4-FFF2-40B4-BE49-F238E27FC236}">
-                <a16:creationId xmlns:a16="http://schemas.microsoft.com/office/drawing/2014/main" id="{924602E8-DEA5-046A-DA9F-F6FB846ECD6D}"/>
-              </a:ext>
-            </a:extLst>
-          </p:cNvPr>
-          <p:cNvSpPr/>
-          <p:nvPr/>
-        </p:nvSpPr>
-        <p:spPr>
-          <a:xfrm>
-            <a:off x="3142789" y="895967"/>
-            <a:ext cx="2038662" cy="1472784"/>
-          </a:xfrm>
-          <a:prstGeom prst="ellipse">
-            <a:avLst/>
-          </a:prstGeom>
-          <a:noFill/>
-          <a:ln w="76200">
-            <a:solidFill>
-              <a:srgbClr val="FF0000"/>
-            </a:solidFill>
-          </a:ln>
-        </p:spPr>
-        <p:style>
-          <a:lnRef idx="2">
-            <a:schemeClr val="accent1">
-              <a:shade val="15000"/>
-            </a:schemeClr>
-          </a:lnRef>
-          <a:fillRef idx="1">
-            <a:schemeClr val="accent1"/>
-          </a:fillRef>
-          <a:effectRef idx="0">
-            <a:schemeClr val="accent1"/>
-          </a:effectRef>
-          <a:fontRef idx="minor">
-            <a:schemeClr val="lt1"/>
-          </a:fontRef>
-        </p:style>
-        <p:txBody>
-          <a:bodyPr rtlCol="0" anchor="ctr"/>
-          <a:lstStyle/>
-          <a:p>
-            <a:pPr algn="ctr"/>
-            <a:endParaRPr lang="en-US"/>
-          </a:p>
-        </p:txBody>
-      </p:sp>
-      <p:sp>
-        <p:nvSpPr>
-          <p:cNvPr id="7" name="TextBox 6">
-            <a:extLst>
-              <a:ext uri="{FF2B5EF4-FFF2-40B4-BE49-F238E27FC236}">
-                <a16:creationId xmlns:a16="http://schemas.microsoft.com/office/drawing/2014/main" id="{9B3A856B-E918-981F-0174-8E35FE641972}"/>
-              </a:ext>
-            </a:extLst>
-          </p:cNvPr>
-          <p:cNvSpPr txBox="1"/>
-          <p:nvPr/>
-        </p:nvSpPr>
-        <p:spPr>
-          <a:xfrm>
-            <a:off x="1360774" y="5323299"/>
-            <a:ext cx="9228406" cy="1200329"/>
-          </a:xfrm>
-          <a:prstGeom prst="rect">
-            <a:avLst/>
-          </a:prstGeom>
-          <a:noFill/>
-        </p:spPr>
-        <p:txBody>
-          <a:bodyPr wrap="square" rtlCol="0">
-            <a:spAutoFit/>
-          </a:bodyPr>
-          <a:lstStyle/>
-          <a:p>
-            <a:pPr algn="ctr"/>
-            <a:r>
-              <a:rPr lang="en-US" sz="2400" dirty="0"/>
-              <a:t>Please keep the fourth, middle, and index fingers of your left hand on numbers 1, 2, and 3 as shown above throughout the experiment. You will use these keys to rate your feelings of regret.</a:t>
-            </a:r>
-          </a:p>
-        </p:txBody>
-      </p:sp>
-    </p:spTree>
-    <p:extLst>
-      <p:ext uri="{BB962C8B-B14F-4D97-AF65-F5344CB8AC3E}">
-        <p14:creationId xmlns:p14="http://schemas.microsoft.com/office/powerpoint/2010/main" val="131228118"/>
       </p:ext>
     </p:extLst>
   </p:cSld>
